--- a/old_materials/PPT/PPT/4.1 - Normal Distribution 2024.pptx
+++ b/old_materials/PPT/PPT/4.1 - Normal Distribution 2024.pptx
@@ -285,6 +285,35 @@
     </p:ext>
   </p:extLst>
 </p:presentation>
+</file>
+
+<file path=ppt/changesInfos/changesInfo1.xml><?xml version="1.0" encoding="utf-8"?>
+<pc:chgInfo xmlns:a="http://schemas.openxmlformats.org/drawingml/2006/main" xmlns:r="http://schemas.openxmlformats.org/officeDocument/2006/relationships" xmlns:ac="http://schemas.microsoft.com/office/drawing/2013/main/command" xmlns:pc="http://schemas.microsoft.com/office/powerpoint/2013/main/command">
+  <pc:docChgLst>
+    <pc:chgData name="Sarah Grabinski" userId="6e2603e9ea7112e0" providerId="LiveId" clId="{43648CE5-CB62-4533-8388-ACCD1E29B0EE}"/>
+    <pc:docChg chg="modSld">
+      <pc:chgData name="Sarah Grabinski" userId="6e2603e9ea7112e0" providerId="LiveId" clId="{43648CE5-CB62-4533-8388-ACCD1E29B0EE}" dt="2024-09-27T15:16:05.241" v="0" actId="1076"/>
+      <pc:docMkLst>
+        <pc:docMk/>
+      </pc:docMkLst>
+      <pc:sldChg chg="modSp mod">
+        <pc:chgData name="Sarah Grabinski" userId="6e2603e9ea7112e0" providerId="LiveId" clId="{43648CE5-CB62-4533-8388-ACCD1E29B0EE}" dt="2024-09-27T15:16:05.241" v="0" actId="1076"/>
+        <pc:sldMkLst>
+          <pc:docMk/>
+          <pc:sldMk cId="0" sldId="265"/>
+        </pc:sldMkLst>
+        <pc:picChg chg="mod">
+          <ac:chgData name="Sarah Grabinski" userId="6e2603e9ea7112e0" providerId="LiveId" clId="{43648CE5-CB62-4533-8388-ACCD1E29B0EE}" dt="2024-09-27T15:16:05.241" v="0" actId="1076"/>
+          <ac:picMkLst>
+            <pc:docMk/>
+            <pc:sldMk cId="0" sldId="265"/>
+            <ac:picMk id="106" creationId="{00000000-0000-0000-0000-000000000000}"/>
+          </ac:picMkLst>
+        </pc:picChg>
+      </pc:sldChg>
+    </pc:docChg>
+  </pc:docChgLst>
+</pc:chgInfo>
 </file>
 
 <file path=ppt/notesMasters/notesMaster1.xml><?xml version="1.0" encoding="utf-8"?>
@@ -5219,7 +5248,7 @@
           <a:p>
             <a:fld id="{B7765C21-365E-4983-8DAA-D44F39A0692C}" type="datetime1">
               <a:rPr lang="en-US" smtClean="0"/>
-              <a:t>2/14/2024</a:t>
+              <a:t>9/27/2024</a:t>
             </a:fld>
             <a:endParaRPr lang="en-US"/>
           </a:p>
@@ -10440,13 +10469,6 @@
   <p:clrMapOvr>
     <a:masterClrMapping/>
   </p:clrMapOvr>
-  <p:timing>
-    <p:tnLst>
-      <p:par>
-        <p:cTn id="1" dur="indefinite" restart="never" nodeType="tmRoot"/>
-      </p:par>
-    </p:tnLst>
-  </p:timing>
 </p:sld>
 </file>
 
@@ -10499,8 +10521,8 @@
           </a:p>
         </p:txBody>
       </p:sp>
-      <mc:AlternateContent xmlns:mc="http://schemas.openxmlformats.org/markup-compatibility/2006">
-        <mc:Choice xmlns:a14="http://schemas.microsoft.com/office/drawing/2010/main" Requires="a14">
+      <mc:AlternateContent xmlns:mc="http://schemas.openxmlformats.org/markup-compatibility/2006" xmlns:a14="http://schemas.microsoft.com/office/drawing/2010/main">
+        <mc:Choice Requires="a14">
           <p:sp>
             <p:nvSpPr>
               <p:cNvPr id="11" name="Rectangle 3"/>
@@ -10708,7 +10730,7 @@
                   <a:buChar char="●"/>
                 </a:pPr>
                 <a:r>
-                  <a:rPr lang="en-US" sz="2300" dirty="0" smtClean="0">
+                  <a:rPr lang="en-US" sz="2300" dirty="0">
                     <a:solidFill>
                       <a:srgbClr val="000000"/>
                     </a:solidFill>
@@ -10825,7 +10847,7 @@
                   <a:t> </a:t>
                 </a:r>
                 <a:r>
-                  <a:rPr lang="en-US" altLang="zh-CN" sz="2300" dirty="0" smtClean="0">
+                  <a:rPr lang="en-US" altLang="zh-CN" sz="2300" dirty="0">
                     <a:solidFill>
                       <a:srgbClr val="000000"/>
                     </a:solidFill>
@@ -10835,16 +10857,6 @@
                   <a:t>follows</a:t>
                 </a:r>
                 <a:r>
-                  <a:rPr lang="en-US" sz="2300" dirty="0" smtClean="0">
-                    <a:solidFill>
-                      <a:srgbClr val="000000"/>
-                    </a:solidFill>
-                    <a:latin typeface="Arial" pitchFamily="34" charset="0"/>
-                    <a:ea typeface="ＭＳ Ｐゴシック" pitchFamily="34" charset="-128"/>
-                  </a:rPr>
-                  <a:t> </a:t>
-                </a:r>
-                <a:r>
                   <a:rPr lang="en-US" sz="2300" dirty="0">
                     <a:solidFill>
                       <a:srgbClr val="000000"/>
@@ -10852,7 +10864,7 @@
                     <a:latin typeface="Arial" pitchFamily="34" charset="0"/>
                     <a:ea typeface="ＭＳ Ｐゴシック" pitchFamily="34" charset="-128"/>
                   </a:rPr>
-                  <a:t>any Normal distribution </a:t>
+                  <a:t> any Normal distribution </a:t>
                 </a:r>
                 <a14:m>
                   <m:oMath xmlns:m="http://schemas.openxmlformats.org/officeDocument/2006/math">
@@ -10914,16 +10926,6 @@
                   </m:oMath>
                 </a14:m>
                 <a:r>
-                  <a:rPr lang="en-US" sz="2300" dirty="0" smtClean="0">
-                    <a:solidFill>
-                      <a:srgbClr val="000000"/>
-                    </a:solidFill>
-                    <a:latin typeface="Arial" pitchFamily="34" charset="0"/>
-                    <a:ea typeface="ＭＳ Ｐゴシック" pitchFamily="34" charset="-128"/>
-                  </a:rPr>
-                  <a:t>, </a:t>
-                </a:r>
-                <a:r>
                   <a:rPr lang="en-US" sz="2300" dirty="0">
                     <a:solidFill>
                       <a:srgbClr val="000000"/>
@@ -10931,7 +10933,7 @@
                     <a:latin typeface="Arial" pitchFamily="34" charset="0"/>
                     <a:ea typeface="ＭＳ Ｐゴシック" pitchFamily="34" charset="-128"/>
                   </a:rPr>
-                  <a:t>then the standardized variable </a:t>
+                  <a:t>, then the standardized variable </a:t>
                 </a:r>
               </a:p>
               <a:p>
@@ -11105,7 +11107,7 @@
             </p:txBody>
           </p:sp>
         </mc:Choice>
-        <mc:Fallback>
+        <mc:Fallback xmlns="">
           <p:sp>
             <p:nvSpPr>
               <p:cNvPr id="11" name="Rectangle 3"/>
@@ -11273,13 +11275,6 @@
   <p:transition spd="med">
     <p:fade/>
   </p:transition>
-  <p:timing>
-    <p:tnLst>
-      <p:par>
-        <p:cTn id="1" dur="indefinite" restart="never" nodeType="tmRoot"/>
-      </p:par>
-    </p:tnLst>
-  </p:timing>
 </p:sld>
 </file>
 
@@ -11335,7 +11330,7 @@
               <a:buNone/>
             </a:pPr>
             <a:r>
-              <a:rPr lang="en" dirty="0" smtClean="0">
+              <a:rPr lang="en" dirty="0">
                 <a:solidFill>
                   <a:schemeClr val="accent1"/>
                 </a:solidFill>
@@ -11461,13 +11456,6 @@
   <p:clrMapOvr>
     <a:masterClrMapping/>
   </p:clrMapOvr>
-  <p:timing>
-    <p:tnLst>
-      <p:par>
-        <p:cTn id="1" dur="indefinite" restart="never" nodeType="tmRoot"/>
-      </p:par>
-    </p:tnLst>
-  </p:timing>
 </p:sld>
 </file>
 
@@ -11685,13 +11673,6 @@
   <p:clrMapOvr>
     <a:masterClrMapping/>
   </p:clrMapOvr>
-  <p:timing>
-    <p:tnLst>
-      <p:par>
-        <p:cTn id="1" dur="indefinite" restart="never" nodeType="tmRoot"/>
-      </p:par>
-    </p:tnLst>
-  </p:timing>
 </p:sld>
 </file>
 
@@ -11819,13 +11800,6 @@
   <p:clrMapOvr>
     <a:masterClrMapping/>
   </p:clrMapOvr>
-  <p:timing>
-    <p:tnLst>
-      <p:par>
-        <p:cTn id="1" dur="indefinite" restart="never" nodeType="tmRoot"/>
-      </p:par>
-    </p:tnLst>
-  </p:timing>
 </p:sld>
 </file>
 
@@ -11969,13 +11943,6 @@
   <p:clrMapOvr>
     <a:masterClrMapping/>
   </p:clrMapOvr>
-  <p:timing>
-    <p:tnLst>
-      <p:par>
-        <p:cTn id="1" dur="indefinite" restart="never" nodeType="tmRoot"/>
-      </p:par>
-    </p:tnLst>
-  </p:timing>
 </p:sld>
 </file>
 
@@ -12124,13 +12091,6 @@
   <p:clrMapOvr>
     <a:masterClrMapping/>
   </p:clrMapOvr>
-  <p:timing>
-    <p:tnLst>
-      <p:par>
-        <p:cTn id="1" dur="indefinite" restart="never" nodeType="tmRoot"/>
-      </p:par>
-    </p:tnLst>
-  </p:timing>
 </p:sld>
 </file>
 
@@ -12307,13 +12267,6 @@
   <p:clrMapOvr>
     <a:masterClrMapping/>
   </p:clrMapOvr>
-  <p:timing>
-    <p:tnLst>
-      <p:par>
-        <p:cTn id="1" dur="indefinite" restart="never" nodeType="tmRoot"/>
-      </p:par>
-    </p:tnLst>
-  </p:timing>
 </p:sld>
 </file>
 
@@ -12518,13 +12471,6 @@
   <p:clrMapOvr>
     <a:masterClrMapping/>
   </p:clrMapOvr>
-  <p:timing>
-    <p:tnLst>
-      <p:par>
-        <p:cTn id="1" dur="indefinite" restart="never" nodeType="tmRoot"/>
-      </p:par>
-    </p:tnLst>
-  </p:timing>
 </p:sld>
 </file>
 
@@ -12866,13 +12812,6 @@
   <p:clrMapOvr>
     <a:masterClrMapping/>
   </p:clrMapOvr>
-  <p:timing>
-    <p:tnLst>
-      <p:par>
-        <p:cTn id="1" dur="indefinite" restart="never" nodeType="tmRoot"/>
-      </p:par>
-    </p:tnLst>
-  </p:timing>
 </p:sld>
 </file>
 
@@ -13353,13 +13292,6 @@
   <p:clrMapOvr>
     <a:masterClrMapping/>
   </p:clrMapOvr>
-  <p:timing>
-    <p:tnLst>
-      <p:par>
-        <p:cTn id="1" dur="indefinite" restart="never" nodeType="tmRoot"/>
-      </p:par>
-    </p:tnLst>
-  </p:timing>
 </p:sld>
 </file>
 
@@ -13695,13 +13627,6 @@
   <p:clrMapOvr>
     <a:masterClrMapping/>
   </p:clrMapOvr>
-  <p:timing>
-    <p:tnLst>
-      <p:par>
-        <p:cTn id="1" dur="indefinite" restart="never" nodeType="tmRoot"/>
-      </p:par>
-    </p:tnLst>
-  </p:timing>
 </p:sld>
 </file>
 
@@ -13881,13 +13806,6 @@
   <p:clrMapOvr>
     <a:masterClrMapping/>
   </p:clrMapOvr>
-  <p:timing>
-    <p:tnLst>
-      <p:par>
-        <p:cTn id="1" dur="indefinite" restart="never" nodeType="tmRoot"/>
-      </p:par>
-    </p:tnLst>
-  </p:timing>
 </p:sld>
 </file>
 
@@ -14094,13 +14012,6 @@
   <p:clrMapOvr>
     <a:masterClrMapping/>
   </p:clrMapOvr>
-  <p:timing>
-    <p:tnLst>
-      <p:par>
-        <p:cTn id="1" dur="indefinite" restart="never" nodeType="tmRoot"/>
-      </p:par>
-    </p:tnLst>
-  </p:timing>
 </p:sld>
 </file>
 
@@ -14334,13 +14245,6 @@
   <p:clrMapOvr>
     <a:masterClrMapping/>
   </p:clrMapOvr>
-  <p:timing>
-    <p:tnLst>
-      <p:par>
-        <p:cTn id="1" dur="indefinite" restart="never" nodeType="tmRoot"/>
-      </p:par>
-    </p:tnLst>
-  </p:timing>
 </p:sld>
 </file>
 
@@ -14601,13 +14505,6 @@
   <p:clrMapOvr>
     <a:masterClrMapping/>
   </p:clrMapOvr>
-  <p:timing>
-    <p:tnLst>
-      <p:par>
-        <p:cTn id="1" dur="indefinite" restart="never" nodeType="tmRoot"/>
-      </p:par>
-    </p:tnLst>
-  </p:timing>
 </p:sld>
 </file>
 
@@ -14895,13 +14792,6 @@
   <p:clrMapOvr>
     <a:masterClrMapping/>
   </p:clrMapOvr>
-  <p:timing>
-    <p:tnLst>
-      <p:par>
-        <p:cTn id="1" dur="indefinite" restart="never" nodeType="tmRoot"/>
-      </p:par>
-    </p:tnLst>
-  </p:timing>
 </p:sld>
 </file>
 
@@ -15335,13 +15225,6 @@
   <p:clrMapOvr>
     <a:masterClrMapping/>
   </p:clrMapOvr>
-  <p:timing>
-    <p:tnLst>
-      <p:par>
-        <p:cTn id="1" dur="indefinite" restart="never" nodeType="tmRoot"/>
-      </p:par>
-    </p:tnLst>
-  </p:timing>
 </p:sld>
 </file>
 
@@ -15639,13 +15522,6 @@
   <p:clrMapOvr>
     <a:masterClrMapping/>
   </p:clrMapOvr>
-  <p:timing>
-    <p:tnLst>
-      <p:par>
-        <p:cTn id="1" dur="indefinite" restart="never" nodeType="tmRoot"/>
-      </p:par>
-    </p:tnLst>
-  </p:timing>
 </p:sld>
 </file>
 
@@ -15951,13 +15827,6 @@
   <p:clrMapOvr>
     <a:masterClrMapping/>
   </p:clrMapOvr>
-  <p:timing>
-    <p:tnLst>
-      <p:par>
-        <p:cTn id="1" dur="indefinite" restart="never" nodeType="tmRoot"/>
-      </p:par>
-    </p:tnLst>
-  </p:timing>
 </p:sld>
 </file>
 
@@ -16676,13 +16545,6 @@
   <p:clrMapOvr>
     <a:masterClrMapping/>
   </p:clrMapOvr>
-  <p:timing>
-    <p:tnLst>
-      <p:par>
-        <p:cTn id="1" dur="indefinite" restart="never" nodeType="tmRoot"/>
-      </p:par>
-    </p:tnLst>
-  </p:timing>
 </p:sld>
 </file>
 
@@ -17042,13 +16904,6 @@
   <p:clrMapOvr>
     <a:masterClrMapping/>
   </p:clrMapOvr>
-  <p:timing>
-    <p:tnLst>
-      <p:par>
-        <p:cTn id="1" dur="indefinite" restart="never" nodeType="tmRoot"/>
-      </p:par>
-    </p:tnLst>
-  </p:timing>
 </p:sld>
 </file>
 
@@ -17408,13 +17263,6 @@
   <p:clrMapOvr>
     <a:masterClrMapping/>
   </p:clrMapOvr>
-  <p:timing>
-    <p:tnLst>
-      <p:par>
-        <p:cTn id="1" dur="indefinite" restart="never" nodeType="tmRoot"/>
-      </p:par>
-    </p:tnLst>
-  </p:timing>
 </p:sld>
 </file>
 
@@ -17642,13 +17490,6 @@
   <p:clrMapOvr>
     <a:masterClrMapping/>
   </p:clrMapOvr>
-  <p:timing>
-    <p:tnLst>
-      <p:par>
-        <p:cTn id="1" dur="indefinite" restart="never" nodeType="tmRoot"/>
-      </p:par>
-    </p:tnLst>
-  </p:timing>
 </p:sld>
 </file>
 
@@ -17784,13 +17625,6 @@
   <p:clrMapOvr>
     <a:masterClrMapping/>
   </p:clrMapOvr>
-  <p:timing>
-    <p:tnLst>
-      <p:par>
-        <p:cTn id="1" dur="indefinite" restart="never" nodeType="tmRoot"/>
-      </p:par>
-    </p:tnLst>
-  </p:timing>
 </p:sld>
 </file>
 
@@ -18040,13 +17874,6 @@
   <p:clrMapOvr>
     <a:masterClrMapping/>
   </p:clrMapOvr>
-  <p:timing>
-    <p:tnLst>
-      <p:par>
-        <p:cTn id="1" dur="indefinite" restart="never" nodeType="tmRoot"/>
-      </p:par>
-    </p:tnLst>
-  </p:timing>
 </p:sld>
 </file>
 
@@ -18156,13 +17983,6 @@
   <p:clrMapOvr>
     <a:masterClrMapping/>
   </p:clrMapOvr>
-  <p:timing>
-    <p:tnLst>
-      <p:par>
-        <p:cTn id="1" dur="indefinite" restart="never" nodeType="tmRoot"/>
-      </p:par>
-    </p:tnLst>
-  </p:timing>
 </p:sld>
 </file>
 
@@ -18537,8 +18357,8 @@
           </a:extLst>
         </p:spPr>
       </p:pic>
-      <mc:AlternateContent xmlns:mc="http://schemas.openxmlformats.org/markup-compatibility/2006">
-        <mc:Choice xmlns:a14="http://schemas.microsoft.com/office/drawing/2010/main" Requires="a14">
+      <mc:AlternateContent xmlns:mc="http://schemas.openxmlformats.org/markup-compatibility/2006" xmlns:a14="http://schemas.microsoft.com/office/drawing/2010/main">
+        <mc:Choice Requires="a14">
           <p:sp>
             <p:nvSpPr>
               <p:cNvPr id="2" name="Rectangle 1"/>
@@ -18560,6 +18380,7 @@
               </a:bodyPr>
               <a:lstStyle/>
               <a:p>
+                <a:pPr/>
                 <a14:m>
                   <m:oMathPara xmlns:m="http://schemas.openxmlformats.org/officeDocument/2006/math">
                     <m:oMathParaPr>
@@ -18614,7 +18435,7 @@
             </p:txBody>
           </p:sp>
         </mc:Choice>
-        <mc:Fallback>
+        <mc:Fallback xmlns="">
           <p:sp>
             <p:nvSpPr>
               <p:cNvPr id="2" name="Rectangle 1"/>
@@ -18658,13 +18479,6 @@
   <p:clrMapOvr>
     <a:masterClrMapping/>
   </p:clrMapOvr>
-  <p:timing>
-    <p:tnLst>
-      <p:par>
-        <p:cTn id="1" dur="indefinite" restart="never" nodeType="tmRoot"/>
-      </p:par>
-    </p:tnLst>
-  </p:timing>
 </p:sld>
 </file>
 
@@ -18943,7 +18757,7 @@
         </p:blipFill>
         <p:spPr>
           <a:xfrm>
-            <a:off x="1524452" y="3352977"/>
+            <a:off x="1568612" y="3352975"/>
             <a:ext cx="6006775" cy="3062050"/>
           </a:xfrm>
           <a:prstGeom prst="rect">
@@ -18960,13 +18774,6 @@
   <p:clrMapOvr>
     <a:masterClrMapping/>
   </p:clrMapOvr>
-  <p:timing>
-    <p:tnLst>
-      <p:par>
-        <p:cTn id="1" dur="indefinite" restart="never" nodeType="tmRoot"/>
-      </p:par>
-    </p:tnLst>
-  </p:timing>
 </p:sld>
 </file>
 
@@ -19209,8 +19016,8 @@
           </a:ln>
         </p:spPr>
       </p:pic>
-      <mc:AlternateContent xmlns:mc="http://schemas.openxmlformats.org/markup-compatibility/2006">
-        <mc:Choice xmlns:a14="http://schemas.microsoft.com/office/drawing/2010/main" Requires="a14">
+      <mc:AlternateContent xmlns:mc="http://schemas.openxmlformats.org/markup-compatibility/2006" xmlns:a14="http://schemas.microsoft.com/office/drawing/2010/main">
+        <mc:Choice Requires="a14">
           <p:sp>
             <p:nvSpPr>
               <p:cNvPr id="2" name="Rectangle 1"/>
@@ -19232,6 +19039,7 @@
               </a:bodyPr>
               <a:lstStyle/>
               <a:p>
+                <a:pPr/>
                 <a14:m>
                   <m:oMathPara xmlns:m="http://schemas.openxmlformats.org/officeDocument/2006/math">
                     <m:oMathParaPr>
@@ -19302,7 +19110,7 @@
             </p:txBody>
           </p:sp>
         </mc:Choice>
-        <mc:Fallback>
+        <mc:Fallback xmlns="">
           <p:sp>
             <p:nvSpPr>
               <p:cNvPr id="2" name="Rectangle 1"/>
@@ -19346,13 +19154,6 @@
   <p:clrMapOvr>
     <a:masterClrMapping/>
   </p:clrMapOvr>
-  <p:timing>
-    <p:tnLst>
-      <p:par>
-        <p:cTn id="1" dur="indefinite" restart="never" nodeType="tmRoot"/>
-      </p:par>
-    </p:tnLst>
-  </p:timing>
 </p:sld>
 </file>
 
@@ -19410,8 +19211,8 @@
           </a:p>
         </p:txBody>
       </p:sp>
-      <mc:AlternateContent xmlns:mc="http://schemas.openxmlformats.org/markup-compatibility/2006">
-        <mc:Choice xmlns:a14="http://schemas.microsoft.com/office/drawing/2010/main" Requires="a14">
+      <mc:AlternateContent xmlns:mc="http://schemas.openxmlformats.org/markup-compatibility/2006" xmlns:a14="http://schemas.microsoft.com/office/drawing/2010/main">
+        <mc:Choice Requires="a14">
           <p:sp>
             <p:nvSpPr>
               <p:cNvPr id="11" name="Rectangle 3"/>
@@ -19806,7 +19607,7 @@
                   <a:buFont typeface="System Font Regular"/>
                   <a:buChar char="●"/>
                 </a:pPr>
-                <a:endParaRPr lang="en-US" sz="2200" dirty="0" smtClean="0">
+                <a:endParaRPr lang="en-US" sz="2200" dirty="0">
                   <a:solidFill>
                     <a:srgbClr val="000000"/>
                   </a:solidFill>
@@ -19827,16 +19628,6 @@
                   <a:buChar char="●"/>
                 </a:pPr>
                 <a:r>
-                  <a:rPr lang="en-US" sz="2200" dirty="0" smtClean="0">
-                    <a:solidFill>
-                      <a:srgbClr val="000000"/>
-                    </a:solidFill>
-                    <a:latin typeface="Arial" pitchFamily="34" charset="0"/>
-                    <a:ea typeface="ＭＳ Ｐゴシック" pitchFamily="34" charset="-128"/>
-                  </a:rPr>
-                  <a:t>A </a:t>
-                </a:r>
-                <a:r>
                   <a:rPr lang="en-US" sz="2200" dirty="0">
                     <a:solidFill>
                       <a:srgbClr val="000000"/>
@@ -19844,7 +19635,7 @@
                     <a:latin typeface="Arial" pitchFamily="34" charset="0"/>
                     <a:ea typeface="ＭＳ Ｐゴシック" pitchFamily="34" charset="-128"/>
                   </a:rPr>
-                  <a:t>woman 70 inches tall, for example, has standardized height </a:t>
+                  <a:t>A woman 70 inches tall, for example, has standardized height </a:t>
                 </a:r>
               </a:p>
               <a:p>
@@ -20015,7 +19806,7 @@
             </p:txBody>
           </p:sp>
         </mc:Choice>
-        <mc:Fallback>
+        <mc:Fallback xmlns="">
           <p:sp>
             <p:nvSpPr>
               <p:cNvPr id="11" name="Rectangle 3"/>
@@ -20067,13 +19858,6 @@
   <p:transition spd="med">
     <p:fade/>
   </p:transition>
-  <p:timing>
-    <p:tnLst>
-      <p:par>
-        <p:cTn id="1" dur="indefinite" restart="never" nodeType="tmRoot"/>
-      </p:par>
-    </p:tnLst>
-  </p:timing>
 </p:sld>
 </file>
 
@@ -20131,8 +19915,8 @@
           </a:p>
         </p:txBody>
       </p:sp>
-      <mc:AlternateContent xmlns:mc="http://schemas.openxmlformats.org/markup-compatibility/2006">
-        <mc:Choice xmlns:a14="http://schemas.microsoft.com/office/drawing/2010/main" Requires="a14">
+      <mc:AlternateContent xmlns:mc="http://schemas.openxmlformats.org/markup-compatibility/2006" xmlns:a14="http://schemas.microsoft.com/office/drawing/2010/main">
+        <mc:Choice Requires="a14">
           <p:sp>
             <p:nvSpPr>
               <p:cNvPr id="11" name="Rectangle 3"/>
@@ -20527,7 +20311,7 @@
                   <a:buFont typeface="System Font Regular"/>
                   <a:buChar char="●"/>
                 </a:pPr>
-                <a:endParaRPr lang="en-US" altLang="zh-CN" sz="2200" dirty="0" smtClean="0">
+                <a:endParaRPr lang="en-US" altLang="zh-CN" sz="2200" dirty="0">
                   <a:solidFill>
                     <a:srgbClr val="000000"/>
                   </a:solidFill>
@@ -20548,7 +20332,7 @@
                   <a:buChar char="●"/>
                 </a:pPr>
                 <a:r>
-                  <a:rPr lang="en-US" altLang="zh-CN" sz="2200" dirty="0" smtClean="0">
+                  <a:rPr lang="en-US" altLang="zh-CN" sz="2200" dirty="0">
                     <a:solidFill>
                       <a:srgbClr val="000000"/>
                     </a:solidFill>
@@ -20558,16 +20342,6 @@
                   <a:t>A </a:t>
                 </a:r>
                 <a:r>
-                  <a:rPr lang="en-US" sz="2200" dirty="0" smtClean="0">
-                    <a:solidFill>
-                      <a:srgbClr val="000000"/>
-                    </a:solidFill>
-                    <a:latin typeface="Arial" pitchFamily="34" charset="0"/>
-                    <a:ea typeface="ＭＳ Ｐゴシック" pitchFamily="34" charset="-128"/>
-                  </a:rPr>
-                  <a:t>woman </a:t>
-                </a:r>
-                <a:r>
                   <a:rPr lang="en-US" sz="2200" dirty="0">
                     <a:solidFill>
                       <a:srgbClr val="000000"/>
@@ -20575,7 +20349,7 @@
                     <a:latin typeface="Arial" pitchFamily="34" charset="0"/>
                     <a:ea typeface="ＭＳ Ｐゴシック" pitchFamily="34" charset="-128"/>
                   </a:rPr>
-                  <a:t>5 feet (60 inches) tall has standardized height</a:t>
+                  <a:t>woman 5 feet (60 inches) tall has standardized height</a:t>
                 </a:r>
               </a:p>
               <a:p>
@@ -20776,7 +20550,7 @@
             </p:txBody>
           </p:sp>
         </mc:Choice>
-        <mc:Fallback>
+        <mc:Fallback xmlns="">
           <p:sp>
             <p:nvSpPr>
               <p:cNvPr id="11" name="Rectangle 3"/>
@@ -20828,13 +20602,6 @@
   <p:transition spd="med">
     <p:fade/>
   </p:transition>
-  <p:timing>
-    <p:tnLst>
-      <p:par>
-        <p:cTn id="1" dur="indefinite" restart="never" nodeType="tmRoot"/>
-      </p:par>
-    </p:tnLst>
-  </p:timing>
 </p:sld>
 </file>
 

--- a/old_materials/PPT/PPT/4.1 - Normal Distribution 2024.pptx
+++ b/old_materials/PPT/PPT/4.1 - Normal Distribution 2024.pptx
@@ -285,35 +285,6 @@
     </p:ext>
   </p:extLst>
 </p:presentation>
-</file>
-
-<file path=ppt/changesInfos/changesInfo1.xml><?xml version="1.0" encoding="utf-8"?>
-<pc:chgInfo xmlns:a="http://schemas.openxmlformats.org/drawingml/2006/main" xmlns:r="http://schemas.openxmlformats.org/officeDocument/2006/relationships" xmlns:ac="http://schemas.microsoft.com/office/drawing/2013/main/command" xmlns:pc="http://schemas.microsoft.com/office/powerpoint/2013/main/command">
-  <pc:docChgLst>
-    <pc:chgData name="Sarah Grabinski" userId="6e2603e9ea7112e0" providerId="LiveId" clId="{43648CE5-CB62-4533-8388-ACCD1E29B0EE}"/>
-    <pc:docChg chg="modSld">
-      <pc:chgData name="Sarah Grabinski" userId="6e2603e9ea7112e0" providerId="LiveId" clId="{43648CE5-CB62-4533-8388-ACCD1E29B0EE}" dt="2024-09-27T15:16:05.241" v="0" actId="1076"/>
-      <pc:docMkLst>
-        <pc:docMk/>
-      </pc:docMkLst>
-      <pc:sldChg chg="modSp mod">
-        <pc:chgData name="Sarah Grabinski" userId="6e2603e9ea7112e0" providerId="LiveId" clId="{43648CE5-CB62-4533-8388-ACCD1E29B0EE}" dt="2024-09-27T15:16:05.241" v="0" actId="1076"/>
-        <pc:sldMkLst>
-          <pc:docMk/>
-          <pc:sldMk cId="0" sldId="265"/>
-        </pc:sldMkLst>
-        <pc:picChg chg="mod">
-          <ac:chgData name="Sarah Grabinski" userId="6e2603e9ea7112e0" providerId="LiveId" clId="{43648CE5-CB62-4533-8388-ACCD1E29B0EE}" dt="2024-09-27T15:16:05.241" v="0" actId="1076"/>
-          <ac:picMkLst>
-            <pc:docMk/>
-            <pc:sldMk cId="0" sldId="265"/>
-            <ac:picMk id="106" creationId="{00000000-0000-0000-0000-000000000000}"/>
-          </ac:picMkLst>
-        </pc:picChg>
-      </pc:sldChg>
-    </pc:docChg>
-  </pc:docChgLst>
-</pc:chgInfo>
 </file>
 
 <file path=ppt/notesMasters/notesMaster1.xml><?xml version="1.0" encoding="utf-8"?>
@@ -5248,7 +5219,7 @@
           <a:p>
             <a:fld id="{B7765C21-365E-4983-8DAA-D44F39A0692C}" type="datetime1">
               <a:rPr lang="en-US" smtClean="0"/>
-              <a:t>9/27/2024</a:t>
+              <a:t>2/14/2024</a:t>
             </a:fld>
             <a:endParaRPr lang="en-US"/>
           </a:p>
@@ -10469,6 +10440,13 @@
   <p:clrMapOvr>
     <a:masterClrMapping/>
   </p:clrMapOvr>
+  <p:timing>
+    <p:tnLst>
+      <p:par>
+        <p:cTn id="1" dur="indefinite" restart="never" nodeType="tmRoot"/>
+      </p:par>
+    </p:tnLst>
+  </p:timing>
 </p:sld>
 </file>
 
@@ -10521,8 +10499,8 @@
           </a:p>
         </p:txBody>
       </p:sp>
-      <mc:AlternateContent xmlns:mc="http://schemas.openxmlformats.org/markup-compatibility/2006" xmlns:a14="http://schemas.microsoft.com/office/drawing/2010/main">
-        <mc:Choice Requires="a14">
+      <mc:AlternateContent xmlns:mc="http://schemas.openxmlformats.org/markup-compatibility/2006">
+        <mc:Choice xmlns:a14="http://schemas.microsoft.com/office/drawing/2010/main" Requires="a14">
           <p:sp>
             <p:nvSpPr>
               <p:cNvPr id="11" name="Rectangle 3"/>
@@ -10730,7 +10708,7 @@
                   <a:buChar char="●"/>
                 </a:pPr>
                 <a:r>
-                  <a:rPr lang="en-US" sz="2300" dirty="0">
+                  <a:rPr lang="en-US" sz="2300" dirty="0" smtClean="0">
                     <a:solidFill>
                       <a:srgbClr val="000000"/>
                     </a:solidFill>
@@ -10847,7 +10825,7 @@
                   <a:t> </a:t>
                 </a:r>
                 <a:r>
-                  <a:rPr lang="en-US" altLang="zh-CN" sz="2300" dirty="0">
+                  <a:rPr lang="en-US" altLang="zh-CN" sz="2300" dirty="0" smtClean="0">
                     <a:solidFill>
                       <a:srgbClr val="000000"/>
                     </a:solidFill>
@@ -10857,6 +10835,16 @@
                   <a:t>follows</a:t>
                 </a:r>
                 <a:r>
+                  <a:rPr lang="en-US" sz="2300" dirty="0" smtClean="0">
+                    <a:solidFill>
+                      <a:srgbClr val="000000"/>
+                    </a:solidFill>
+                    <a:latin typeface="Arial" pitchFamily="34" charset="0"/>
+                    <a:ea typeface="ＭＳ Ｐゴシック" pitchFamily="34" charset="-128"/>
+                  </a:rPr>
+                  <a:t> </a:t>
+                </a:r>
+                <a:r>
                   <a:rPr lang="en-US" sz="2300" dirty="0">
                     <a:solidFill>
                       <a:srgbClr val="000000"/>
@@ -10864,7 +10852,7 @@
                     <a:latin typeface="Arial" pitchFamily="34" charset="0"/>
                     <a:ea typeface="ＭＳ Ｐゴシック" pitchFamily="34" charset="-128"/>
                   </a:rPr>
-                  <a:t> any Normal distribution </a:t>
+                  <a:t>any Normal distribution </a:t>
                 </a:r>
                 <a14:m>
                   <m:oMath xmlns:m="http://schemas.openxmlformats.org/officeDocument/2006/math">
@@ -10926,6 +10914,16 @@
                   </m:oMath>
                 </a14:m>
                 <a:r>
+                  <a:rPr lang="en-US" sz="2300" dirty="0" smtClean="0">
+                    <a:solidFill>
+                      <a:srgbClr val="000000"/>
+                    </a:solidFill>
+                    <a:latin typeface="Arial" pitchFamily="34" charset="0"/>
+                    <a:ea typeface="ＭＳ Ｐゴシック" pitchFamily="34" charset="-128"/>
+                  </a:rPr>
+                  <a:t>, </a:t>
+                </a:r>
+                <a:r>
                   <a:rPr lang="en-US" sz="2300" dirty="0">
                     <a:solidFill>
                       <a:srgbClr val="000000"/>
@@ -10933,7 +10931,7 @@
                     <a:latin typeface="Arial" pitchFamily="34" charset="0"/>
                     <a:ea typeface="ＭＳ Ｐゴシック" pitchFamily="34" charset="-128"/>
                   </a:rPr>
-                  <a:t>, then the standardized variable </a:t>
+                  <a:t>then the standardized variable </a:t>
                 </a:r>
               </a:p>
               <a:p>
@@ -11107,7 +11105,7 @@
             </p:txBody>
           </p:sp>
         </mc:Choice>
-        <mc:Fallback xmlns="">
+        <mc:Fallback>
           <p:sp>
             <p:nvSpPr>
               <p:cNvPr id="11" name="Rectangle 3"/>
@@ -11275,6 +11273,13 @@
   <p:transition spd="med">
     <p:fade/>
   </p:transition>
+  <p:timing>
+    <p:tnLst>
+      <p:par>
+        <p:cTn id="1" dur="indefinite" restart="never" nodeType="tmRoot"/>
+      </p:par>
+    </p:tnLst>
+  </p:timing>
 </p:sld>
 </file>
 
@@ -11330,7 +11335,7 @@
               <a:buNone/>
             </a:pPr>
             <a:r>
-              <a:rPr lang="en" dirty="0">
+              <a:rPr lang="en" dirty="0" smtClean="0">
                 <a:solidFill>
                   <a:schemeClr val="accent1"/>
                 </a:solidFill>
@@ -11456,6 +11461,13 @@
   <p:clrMapOvr>
     <a:masterClrMapping/>
   </p:clrMapOvr>
+  <p:timing>
+    <p:tnLst>
+      <p:par>
+        <p:cTn id="1" dur="indefinite" restart="never" nodeType="tmRoot"/>
+      </p:par>
+    </p:tnLst>
+  </p:timing>
 </p:sld>
 </file>
 
@@ -11673,6 +11685,13 @@
   <p:clrMapOvr>
     <a:masterClrMapping/>
   </p:clrMapOvr>
+  <p:timing>
+    <p:tnLst>
+      <p:par>
+        <p:cTn id="1" dur="indefinite" restart="never" nodeType="tmRoot"/>
+      </p:par>
+    </p:tnLst>
+  </p:timing>
 </p:sld>
 </file>
 
@@ -11800,6 +11819,13 @@
   <p:clrMapOvr>
     <a:masterClrMapping/>
   </p:clrMapOvr>
+  <p:timing>
+    <p:tnLst>
+      <p:par>
+        <p:cTn id="1" dur="indefinite" restart="never" nodeType="tmRoot"/>
+      </p:par>
+    </p:tnLst>
+  </p:timing>
 </p:sld>
 </file>
 
@@ -11943,6 +11969,13 @@
   <p:clrMapOvr>
     <a:masterClrMapping/>
   </p:clrMapOvr>
+  <p:timing>
+    <p:tnLst>
+      <p:par>
+        <p:cTn id="1" dur="indefinite" restart="never" nodeType="tmRoot"/>
+      </p:par>
+    </p:tnLst>
+  </p:timing>
 </p:sld>
 </file>
 
@@ -12091,6 +12124,13 @@
   <p:clrMapOvr>
     <a:masterClrMapping/>
   </p:clrMapOvr>
+  <p:timing>
+    <p:tnLst>
+      <p:par>
+        <p:cTn id="1" dur="indefinite" restart="never" nodeType="tmRoot"/>
+      </p:par>
+    </p:tnLst>
+  </p:timing>
 </p:sld>
 </file>
 
@@ -12267,6 +12307,13 @@
   <p:clrMapOvr>
     <a:masterClrMapping/>
   </p:clrMapOvr>
+  <p:timing>
+    <p:tnLst>
+      <p:par>
+        <p:cTn id="1" dur="indefinite" restart="never" nodeType="tmRoot"/>
+      </p:par>
+    </p:tnLst>
+  </p:timing>
 </p:sld>
 </file>
 
@@ -12471,6 +12518,13 @@
   <p:clrMapOvr>
     <a:masterClrMapping/>
   </p:clrMapOvr>
+  <p:timing>
+    <p:tnLst>
+      <p:par>
+        <p:cTn id="1" dur="indefinite" restart="never" nodeType="tmRoot"/>
+      </p:par>
+    </p:tnLst>
+  </p:timing>
 </p:sld>
 </file>
 
@@ -12812,6 +12866,13 @@
   <p:clrMapOvr>
     <a:masterClrMapping/>
   </p:clrMapOvr>
+  <p:timing>
+    <p:tnLst>
+      <p:par>
+        <p:cTn id="1" dur="indefinite" restart="never" nodeType="tmRoot"/>
+      </p:par>
+    </p:tnLst>
+  </p:timing>
 </p:sld>
 </file>
 
@@ -13292,6 +13353,13 @@
   <p:clrMapOvr>
     <a:masterClrMapping/>
   </p:clrMapOvr>
+  <p:timing>
+    <p:tnLst>
+      <p:par>
+        <p:cTn id="1" dur="indefinite" restart="never" nodeType="tmRoot"/>
+      </p:par>
+    </p:tnLst>
+  </p:timing>
 </p:sld>
 </file>
 
@@ -13627,6 +13695,13 @@
   <p:clrMapOvr>
     <a:masterClrMapping/>
   </p:clrMapOvr>
+  <p:timing>
+    <p:tnLst>
+      <p:par>
+        <p:cTn id="1" dur="indefinite" restart="never" nodeType="tmRoot"/>
+      </p:par>
+    </p:tnLst>
+  </p:timing>
 </p:sld>
 </file>
 
@@ -13806,6 +13881,13 @@
   <p:clrMapOvr>
     <a:masterClrMapping/>
   </p:clrMapOvr>
+  <p:timing>
+    <p:tnLst>
+      <p:par>
+        <p:cTn id="1" dur="indefinite" restart="never" nodeType="tmRoot"/>
+      </p:par>
+    </p:tnLst>
+  </p:timing>
 </p:sld>
 </file>
 
@@ -14012,6 +14094,13 @@
   <p:clrMapOvr>
     <a:masterClrMapping/>
   </p:clrMapOvr>
+  <p:timing>
+    <p:tnLst>
+      <p:par>
+        <p:cTn id="1" dur="indefinite" restart="never" nodeType="tmRoot"/>
+      </p:par>
+    </p:tnLst>
+  </p:timing>
 </p:sld>
 </file>
 
@@ -14245,6 +14334,13 @@
   <p:clrMapOvr>
     <a:masterClrMapping/>
   </p:clrMapOvr>
+  <p:timing>
+    <p:tnLst>
+      <p:par>
+        <p:cTn id="1" dur="indefinite" restart="never" nodeType="tmRoot"/>
+      </p:par>
+    </p:tnLst>
+  </p:timing>
 </p:sld>
 </file>
 
@@ -14505,6 +14601,13 @@
   <p:clrMapOvr>
     <a:masterClrMapping/>
   </p:clrMapOvr>
+  <p:timing>
+    <p:tnLst>
+      <p:par>
+        <p:cTn id="1" dur="indefinite" restart="never" nodeType="tmRoot"/>
+      </p:par>
+    </p:tnLst>
+  </p:timing>
 </p:sld>
 </file>
 
@@ -14792,6 +14895,13 @@
   <p:clrMapOvr>
     <a:masterClrMapping/>
   </p:clrMapOvr>
+  <p:timing>
+    <p:tnLst>
+      <p:par>
+        <p:cTn id="1" dur="indefinite" restart="never" nodeType="tmRoot"/>
+      </p:par>
+    </p:tnLst>
+  </p:timing>
 </p:sld>
 </file>
 
@@ -15225,6 +15335,13 @@
   <p:clrMapOvr>
     <a:masterClrMapping/>
   </p:clrMapOvr>
+  <p:timing>
+    <p:tnLst>
+      <p:par>
+        <p:cTn id="1" dur="indefinite" restart="never" nodeType="tmRoot"/>
+      </p:par>
+    </p:tnLst>
+  </p:timing>
 </p:sld>
 </file>
 
@@ -15522,6 +15639,13 @@
   <p:clrMapOvr>
     <a:masterClrMapping/>
   </p:clrMapOvr>
+  <p:timing>
+    <p:tnLst>
+      <p:par>
+        <p:cTn id="1" dur="indefinite" restart="never" nodeType="tmRoot"/>
+      </p:par>
+    </p:tnLst>
+  </p:timing>
 </p:sld>
 </file>
 
@@ -15827,6 +15951,13 @@
   <p:clrMapOvr>
     <a:masterClrMapping/>
   </p:clrMapOvr>
+  <p:timing>
+    <p:tnLst>
+      <p:par>
+        <p:cTn id="1" dur="indefinite" restart="never" nodeType="tmRoot"/>
+      </p:par>
+    </p:tnLst>
+  </p:timing>
 </p:sld>
 </file>
 
@@ -16545,6 +16676,13 @@
   <p:clrMapOvr>
     <a:masterClrMapping/>
   </p:clrMapOvr>
+  <p:timing>
+    <p:tnLst>
+      <p:par>
+        <p:cTn id="1" dur="indefinite" restart="never" nodeType="tmRoot"/>
+      </p:par>
+    </p:tnLst>
+  </p:timing>
 </p:sld>
 </file>
 
@@ -16904,6 +17042,13 @@
   <p:clrMapOvr>
     <a:masterClrMapping/>
   </p:clrMapOvr>
+  <p:timing>
+    <p:tnLst>
+      <p:par>
+        <p:cTn id="1" dur="indefinite" restart="never" nodeType="tmRoot"/>
+      </p:par>
+    </p:tnLst>
+  </p:timing>
 </p:sld>
 </file>
 
@@ -17263,6 +17408,13 @@
   <p:clrMapOvr>
     <a:masterClrMapping/>
   </p:clrMapOvr>
+  <p:timing>
+    <p:tnLst>
+      <p:par>
+        <p:cTn id="1" dur="indefinite" restart="never" nodeType="tmRoot"/>
+      </p:par>
+    </p:tnLst>
+  </p:timing>
 </p:sld>
 </file>
 
@@ -17490,6 +17642,13 @@
   <p:clrMapOvr>
     <a:masterClrMapping/>
   </p:clrMapOvr>
+  <p:timing>
+    <p:tnLst>
+      <p:par>
+        <p:cTn id="1" dur="indefinite" restart="never" nodeType="tmRoot"/>
+      </p:par>
+    </p:tnLst>
+  </p:timing>
 </p:sld>
 </file>
 
@@ -17625,6 +17784,13 @@
   <p:clrMapOvr>
     <a:masterClrMapping/>
   </p:clrMapOvr>
+  <p:timing>
+    <p:tnLst>
+      <p:par>
+        <p:cTn id="1" dur="indefinite" restart="never" nodeType="tmRoot"/>
+      </p:par>
+    </p:tnLst>
+  </p:timing>
 </p:sld>
 </file>
 
@@ -17874,6 +18040,13 @@
   <p:clrMapOvr>
     <a:masterClrMapping/>
   </p:clrMapOvr>
+  <p:timing>
+    <p:tnLst>
+      <p:par>
+        <p:cTn id="1" dur="indefinite" restart="never" nodeType="tmRoot"/>
+      </p:par>
+    </p:tnLst>
+  </p:timing>
 </p:sld>
 </file>
 
@@ -17983,6 +18156,13 @@
   <p:clrMapOvr>
     <a:masterClrMapping/>
   </p:clrMapOvr>
+  <p:timing>
+    <p:tnLst>
+      <p:par>
+        <p:cTn id="1" dur="indefinite" restart="never" nodeType="tmRoot"/>
+      </p:par>
+    </p:tnLst>
+  </p:timing>
 </p:sld>
 </file>
 
@@ -18357,8 +18537,8 @@
           </a:extLst>
         </p:spPr>
       </p:pic>
-      <mc:AlternateContent xmlns:mc="http://schemas.openxmlformats.org/markup-compatibility/2006" xmlns:a14="http://schemas.microsoft.com/office/drawing/2010/main">
-        <mc:Choice Requires="a14">
+      <mc:AlternateContent xmlns:mc="http://schemas.openxmlformats.org/markup-compatibility/2006">
+        <mc:Choice xmlns:a14="http://schemas.microsoft.com/office/drawing/2010/main" Requires="a14">
           <p:sp>
             <p:nvSpPr>
               <p:cNvPr id="2" name="Rectangle 1"/>
@@ -18380,7 +18560,6 @@
               </a:bodyPr>
               <a:lstStyle/>
               <a:p>
-                <a:pPr/>
                 <a14:m>
                   <m:oMathPara xmlns:m="http://schemas.openxmlformats.org/officeDocument/2006/math">
                     <m:oMathParaPr>
@@ -18435,7 +18614,7 @@
             </p:txBody>
           </p:sp>
         </mc:Choice>
-        <mc:Fallback xmlns="">
+        <mc:Fallback>
           <p:sp>
             <p:nvSpPr>
               <p:cNvPr id="2" name="Rectangle 1"/>
@@ -18479,6 +18658,13 @@
   <p:clrMapOvr>
     <a:masterClrMapping/>
   </p:clrMapOvr>
+  <p:timing>
+    <p:tnLst>
+      <p:par>
+        <p:cTn id="1" dur="indefinite" restart="never" nodeType="tmRoot"/>
+      </p:par>
+    </p:tnLst>
+  </p:timing>
 </p:sld>
 </file>
 
@@ -18757,7 +18943,7 @@
         </p:blipFill>
         <p:spPr>
           <a:xfrm>
-            <a:off x="1568612" y="3352975"/>
+            <a:off x="1524452" y="3352977"/>
             <a:ext cx="6006775" cy="3062050"/>
           </a:xfrm>
           <a:prstGeom prst="rect">
@@ -18774,6 +18960,13 @@
   <p:clrMapOvr>
     <a:masterClrMapping/>
   </p:clrMapOvr>
+  <p:timing>
+    <p:tnLst>
+      <p:par>
+        <p:cTn id="1" dur="indefinite" restart="never" nodeType="tmRoot"/>
+      </p:par>
+    </p:tnLst>
+  </p:timing>
 </p:sld>
 </file>
 
@@ -19016,8 +19209,8 @@
           </a:ln>
         </p:spPr>
       </p:pic>
-      <mc:AlternateContent xmlns:mc="http://schemas.openxmlformats.org/markup-compatibility/2006" xmlns:a14="http://schemas.microsoft.com/office/drawing/2010/main">
-        <mc:Choice Requires="a14">
+      <mc:AlternateContent xmlns:mc="http://schemas.openxmlformats.org/markup-compatibility/2006">
+        <mc:Choice xmlns:a14="http://schemas.microsoft.com/office/drawing/2010/main" Requires="a14">
           <p:sp>
             <p:nvSpPr>
               <p:cNvPr id="2" name="Rectangle 1"/>
@@ -19039,7 +19232,6 @@
               </a:bodyPr>
               <a:lstStyle/>
               <a:p>
-                <a:pPr/>
                 <a14:m>
                   <m:oMathPara xmlns:m="http://schemas.openxmlformats.org/officeDocument/2006/math">
                     <m:oMathParaPr>
@@ -19110,7 +19302,7 @@
             </p:txBody>
           </p:sp>
         </mc:Choice>
-        <mc:Fallback xmlns="">
+        <mc:Fallback>
           <p:sp>
             <p:nvSpPr>
               <p:cNvPr id="2" name="Rectangle 1"/>
@@ -19154,6 +19346,13 @@
   <p:clrMapOvr>
     <a:masterClrMapping/>
   </p:clrMapOvr>
+  <p:timing>
+    <p:tnLst>
+      <p:par>
+        <p:cTn id="1" dur="indefinite" restart="never" nodeType="tmRoot"/>
+      </p:par>
+    </p:tnLst>
+  </p:timing>
 </p:sld>
 </file>
 
@@ -19211,8 +19410,8 @@
           </a:p>
         </p:txBody>
       </p:sp>
-      <mc:AlternateContent xmlns:mc="http://schemas.openxmlformats.org/markup-compatibility/2006" xmlns:a14="http://schemas.microsoft.com/office/drawing/2010/main">
-        <mc:Choice Requires="a14">
+      <mc:AlternateContent xmlns:mc="http://schemas.openxmlformats.org/markup-compatibility/2006">
+        <mc:Choice xmlns:a14="http://schemas.microsoft.com/office/drawing/2010/main" Requires="a14">
           <p:sp>
             <p:nvSpPr>
               <p:cNvPr id="11" name="Rectangle 3"/>
@@ -19607,7 +19806,7 @@
                   <a:buFont typeface="System Font Regular"/>
                   <a:buChar char="●"/>
                 </a:pPr>
-                <a:endParaRPr lang="en-US" sz="2200" dirty="0">
+                <a:endParaRPr lang="en-US" sz="2200" dirty="0" smtClean="0">
                   <a:solidFill>
                     <a:srgbClr val="000000"/>
                   </a:solidFill>
@@ -19628,6 +19827,16 @@
                   <a:buChar char="●"/>
                 </a:pPr>
                 <a:r>
+                  <a:rPr lang="en-US" sz="2200" dirty="0" smtClean="0">
+                    <a:solidFill>
+                      <a:srgbClr val="000000"/>
+                    </a:solidFill>
+                    <a:latin typeface="Arial" pitchFamily="34" charset="0"/>
+                    <a:ea typeface="ＭＳ Ｐゴシック" pitchFamily="34" charset="-128"/>
+                  </a:rPr>
+                  <a:t>A </a:t>
+                </a:r>
+                <a:r>
                   <a:rPr lang="en-US" sz="2200" dirty="0">
                     <a:solidFill>
                       <a:srgbClr val="000000"/>
@@ -19635,7 +19844,7 @@
                     <a:latin typeface="Arial" pitchFamily="34" charset="0"/>
                     <a:ea typeface="ＭＳ Ｐゴシック" pitchFamily="34" charset="-128"/>
                   </a:rPr>
-                  <a:t>A woman 70 inches tall, for example, has standardized height </a:t>
+                  <a:t>woman 70 inches tall, for example, has standardized height </a:t>
                 </a:r>
               </a:p>
               <a:p>
@@ -19806,7 +20015,7 @@
             </p:txBody>
           </p:sp>
         </mc:Choice>
-        <mc:Fallback xmlns="">
+        <mc:Fallback>
           <p:sp>
             <p:nvSpPr>
               <p:cNvPr id="11" name="Rectangle 3"/>
@@ -19858,6 +20067,13 @@
   <p:transition spd="med">
     <p:fade/>
   </p:transition>
+  <p:timing>
+    <p:tnLst>
+      <p:par>
+        <p:cTn id="1" dur="indefinite" restart="never" nodeType="tmRoot"/>
+      </p:par>
+    </p:tnLst>
+  </p:timing>
 </p:sld>
 </file>
 
@@ -19915,8 +20131,8 @@
           </a:p>
         </p:txBody>
       </p:sp>
-      <mc:AlternateContent xmlns:mc="http://schemas.openxmlformats.org/markup-compatibility/2006" xmlns:a14="http://schemas.microsoft.com/office/drawing/2010/main">
-        <mc:Choice Requires="a14">
+      <mc:AlternateContent xmlns:mc="http://schemas.openxmlformats.org/markup-compatibility/2006">
+        <mc:Choice xmlns:a14="http://schemas.microsoft.com/office/drawing/2010/main" Requires="a14">
           <p:sp>
             <p:nvSpPr>
               <p:cNvPr id="11" name="Rectangle 3"/>
@@ -20311,7 +20527,7 @@
                   <a:buFont typeface="System Font Regular"/>
                   <a:buChar char="●"/>
                 </a:pPr>
-                <a:endParaRPr lang="en-US" altLang="zh-CN" sz="2200" dirty="0">
+                <a:endParaRPr lang="en-US" altLang="zh-CN" sz="2200" dirty="0" smtClean="0">
                   <a:solidFill>
                     <a:srgbClr val="000000"/>
                   </a:solidFill>
@@ -20332,7 +20548,7 @@
                   <a:buChar char="●"/>
                 </a:pPr>
                 <a:r>
-                  <a:rPr lang="en-US" altLang="zh-CN" sz="2200" dirty="0">
+                  <a:rPr lang="en-US" altLang="zh-CN" sz="2200" dirty="0" smtClean="0">
                     <a:solidFill>
                       <a:srgbClr val="000000"/>
                     </a:solidFill>
@@ -20342,6 +20558,16 @@
                   <a:t>A </a:t>
                 </a:r>
                 <a:r>
+                  <a:rPr lang="en-US" sz="2200" dirty="0" smtClean="0">
+                    <a:solidFill>
+                      <a:srgbClr val="000000"/>
+                    </a:solidFill>
+                    <a:latin typeface="Arial" pitchFamily="34" charset="0"/>
+                    <a:ea typeface="ＭＳ Ｐゴシック" pitchFamily="34" charset="-128"/>
+                  </a:rPr>
+                  <a:t>woman </a:t>
+                </a:r>
+                <a:r>
                   <a:rPr lang="en-US" sz="2200" dirty="0">
                     <a:solidFill>
                       <a:srgbClr val="000000"/>
@@ -20349,7 +20575,7 @@
                     <a:latin typeface="Arial" pitchFamily="34" charset="0"/>
                     <a:ea typeface="ＭＳ Ｐゴシック" pitchFamily="34" charset="-128"/>
                   </a:rPr>
-                  <a:t>woman 5 feet (60 inches) tall has standardized height</a:t>
+                  <a:t>5 feet (60 inches) tall has standardized height</a:t>
                 </a:r>
               </a:p>
               <a:p>
@@ -20550,7 +20776,7 @@
             </p:txBody>
           </p:sp>
         </mc:Choice>
-        <mc:Fallback xmlns="">
+        <mc:Fallback>
           <p:sp>
             <p:nvSpPr>
               <p:cNvPr id="11" name="Rectangle 3"/>
@@ -20602,6 +20828,13 @@
   <p:transition spd="med">
     <p:fade/>
   </p:transition>
+  <p:timing>
+    <p:tnLst>
+      <p:par>
+        <p:cTn id="1" dur="indefinite" restart="never" nodeType="tmRoot"/>
+      </p:par>
+    </p:tnLst>
+  </p:timing>
 </p:sld>
 </file>
 
